--- a/doc/m2l.pptx
+++ b/doc/m2l.pptx
@@ -24472,10 +24472,10 @@
       </p:sp>
       <p:pic>
         <p:nvPicPr>
-          <p:cNvPr id="2" name="Image 1">
+          <p:cNvPr id="4" name="Image 3" descr="Une image contenant texte, ligne, diagramme, nombre&#10;&#10;Description générée automatiquement">
             <a:extLst>
               <a:ext uri="{FF2B5EF4-FFF2-40B4-BE49-F238E27FC236}">
-                <a16:creationId xmlns:a16="http://schemas.microsoft.com/office/drawing/2014/main" id="{AC97331B-B7B6-E53F-5DD7-1D43E85C850A}"/>
+                <a16:creationId xmlns:a16="http://schemas.microsoft.com/office/drawing/2014/main" id="{49026B7D-E024-263C-6966-EAD44D814A6C}"/>
               </a:ext>
             </a:extLst>
           </p:cNvPr>
@@ -24492,8 +24492,8 @@
         </p:blipFill>
         <p:spPr>
           <a:xfrm>
-            <a:off x="1827564" y="1384703"/>
-            <a:ext cx="6427194" cy="2896913"/>
+            <a:off x="1241771" y="1565661"/>
+            <a:ext cx="7370353" cy="2378077"/>
           </a:xfrm>
           <a:prstGeom prst="rect">
             <a:avLst/>
